--- a/spring13/slides13/dags.pptx
+++ b/spring13/slides13/dags.pptx
@@ -2352,22 +2352,7 @@
                 <a:uFillTx/>
                 <a:latin typeface="Comic Sans MS" pitchFamily="66" charset="0"/>
               </a:rPr>
-              <a:t>Albert R Meyer       March </a:t>
-            </a:r>
-            <a:r>
-              <a:rPr kumimoji="0" lang="en-US" sz="1200" b="0" i="0" u="none" strike="noStrike" kern="1200" cap="none" spc="0" normalizeH="0" baseline="0" noProof="0" dirty="0" smtClean="0">
-                <a:ln>
-                  <a:noFill/>
-                </a:ln>
-                <a:solidFill>
-                  <a:schemeClr val="tx1"/>
-                </a:solidFill>
-                <a:effectLst/>
-                <a:uLnTx/>
-                <a:uFillTx/>
-                <a:latin typeface="Comic Sans MS" pitchFamily="66" charset="0"/>
-              </a:rPr>
-              <a:t>15, 2013</a:t>
+              <a:t>Albert R Meyer       March 15, 2013</a:t>
             </a:r>
             <a:endParaRPr kumimoji="0" lang="en-US" sz="1200" b="0" i="0" u="none" strike="noStrike" kern="1200" cap="none" spc="0" normalizeH="0" baseline="0" noProof="0" dirty="0">
               <a:ln>
@@ -3025,12 +3010,6 @@
               </a:rPr>
               <a:t>Acyclic Graphs</a:t>
             </a:r>
-            <a:endParaRPr lang="en-US" sz="8800" dirty="0" smtClean="0">
-              <a:solidFill>
-                <a:schemeClr val="tx2"/>
-              </a:solidFill>
-              <a:cs typeface="Arial" charset="0"/>
-            </a:endParaRPr>
           </a:p>
           <a:p>
             <a:pPr algn="ctr"/>
@@ -5024,6 +5003,9 @@
                     <p:cTn id="3" fill="hold">
                       <p:stCondLst>
                         <p:cond delay="indefinite"/>
+                        <p:cond evt="onBegin" delay="0">
+                          <p:tn val="2"/>
+                        </p:cond>
                       </p:stCondLst>
                       <p:childTnLst>
                         <p:par>
@@ -5033,7 +5015,7 @@
                             </p:stCondLst>
                             <p:childTnLst>
                               <p:par>
-                                <p:cTn id="5" presetID="22" presetClass="entr" presetSubtype="8" fill="hold" nodeType="clickEffect">
+                                <p:cTn id="5" presetID="22" presetClass="entr" presetSubtype="8" fill="hold" nodeType="afterEffect">
                                   <p:stCondLst>
                                     <p:cond delay="0"/>
                                   </p:stCondLst>
@@ -5499,15 +5481,7 @@
                   <a:srgbClr val="0000FF"/>
                 </a:solidFill>
               </a:rPr>
-              <a:t>closed </a:t>
-            </a:r>
-            <a:r>
-              <a:rPr lang="en-US" sz="4800" dirty="0" smtClean="0">
-                <a:solidFill>
-                  <a:srgbClr val="0000FF"/>
-                </a:solidFill>
-              </a:rPr>
-              <a:t>walk</a:t>
+              <a:t>closed walk</a:t>
             </a:r>
             <a:r>
               <a:rPr lang="en-US" sz="4800" dirty="0" smtClean="0"/>
@@ -5544,11 +5518,7 @@
             </a:pPr>
             <a:r>
               <a:rPr lang="en-US" sz="4800" dirty="0" smtClean="0"/>
-              <a:t>positive </a:t>
-            </a:r>
-            <a:r>
-              <a:rPr lang="en-US" sz="4800" dirty="0" smtClean="0"/>
-              <a:t>length</a:t>
+              <a:t>positive length</a:t>
             </a:r>
             <a:r>
               <a:rPr lang="en-US" sz="4800" dirty="0" smtClean="0">
@@ -5975,9 +5945,21 @@
           <a:p>
             <a:r>
               <a:rPr lang="en-US" sz="6600" dirty="0" smtClean="0"/>
-              <a:t>length cycle</a:t>
-            </a:r>
-            <a:endParaRPr lang="en-US" sz="6600" dirty="0"/>
+              <a:t>length </a:t>
+            </a:r>
+            <a:r>
+              <a:rPr lang="en-US" sz="6600" dirty="0" smtClean="0">
+                <a:solidFill>
+                  <a:srgbClr val="930093"/>
+                </a:solidFill>
+              </a:rPr>
+              <a:t>cycle</a:t>
+            </a:r>
+            <a:endParaRPr lang="en-US" sz="6600" dirty="0">
+              <a:solidFill>
+                <a:srgbClr val="930093"/>
+              </a:solidFill>
+            </a:endParaRPr>
           </a:p>
         </p:txBody>
       </p:sp>
@@ -6214,6 +6196,48 @@
           </a:p>
         </p:txBody>
       </p:sp>
+      <p:sp>
+        <p:nvSpPr>
+          <p:cNvPr id="2" name="TextBox 1"/>
+          <p:cNvSpPr txBox="1"/>
+          <p:nvPr/>
+        </p:nvSpPr>
+        <p:spPr>
+          <a:xfrm>
+            <a:off x="4419600" y="4724400"/>
+            <a:ext cx="3610296" cy="1107996"/>
+          </a:xfrm>
+          <a:prstGeom prst="rect">
+            <a:avLst/>
+          </a:prstGeom>
+          <a:noFill/>
+        </p:spPr>
+        <p:txBody>
+          <a:bodyPr wrap="none" rtlCol="0">
+            <a:spAutoFit/>
+          </a:bodyPr>
+          <a:lstStyle/>
+          <a:p>
+            <a:r>
+              <a:rPr lang="en-US" sz="6600" dirty="0" smtClean="0"/>
+              <a:t>(or </a:t>
+            </a:r>
+            <a:r>
+              <a:rPr lang="en-US" sz="6600" dirty="0" smtClean="0">
+                <a:solidFill>
+                  <a:srgbClr val="930093"/>
+                </a:solidFill>
+              </a:rPr>
+              <a:t>walk</a:t>
+            </a:r>
+            <a:r>
+              <a:rPr lang="en-US" sz="6600" dirty="0" smtClean="0"/>
+              <a:t>)</a:t>
+            </a:r>
+            <a:endParaRPr lang="en-US" sz="6600" dirty="0"/>
+          </a:p>
+        </p:txBody>
+      </p:sp>
     </p:spTree>
   </p:cSld>
   <p:clrMapOvr>
@@ -6234,9 +6258,6 @@
                     <p:cTn id="3" fill="hold">
                       <p:stCondLst>
                         <p:cond delay="indefinite"/>
-                        <p:cond evt="onBegin" delay="0">
-                          <p:tn val="2"/>
-                        </p:cond>
                       </p:stCondLst>
                       <p:childTnLst>
                         <p:par>
@@ -6246,7 +6267,7 @@
                             </p:stCondLst>
                             <p:childTnLst>
                               <p:par>
-                                <p:cTn id="5" presetID="9" presetClass="entr" presetSubtype="0" fill="hold" nodeType="afterEffect">
+                                <p:cTn id="5" presetID="2" presetClass="entr" presetSubtype="1" fill="hold" grpId="0" nodeType="clickEffect">
                                   <p:stCondLst>
                                     <p:cond delay="0"/>
                                   </p:stCondLst>
@@ -6254,110 +6275,6 @@
                                     <p:set>
                                       <p:cBhvr>
                                         <p:cTn id="6" dur="1" fill="hold">
-                                          <p:stCondLst>
-                                            <p:cond delay="0"/>
-                                          </p:stCondLst>
-                                        </p:cTn>
-                                        <p:tgtEl>
-                                          <p:spTgt spid="3">
-                                            <p:txEl>
-                                              <p:pRg st="0" end="0"/>
-                                            </p:txEl>
-                                          </p:spTgt>
-                                        </p:tgtEl>
-                                        <p:attrNameLst>
-                                          <p:attrName>style.visibility</p:attrName>
-                                        </p:attrNameLst>
-                                      </p:cBhvr>
-                                      <p:to>
-                                        <p:strVal val="visible"/>
-                                      </p:to>
-                                    </p:set>
-                                    <p:animEffect transition="in" filter="dissolve">
-                                      <p:cBhvr>
-                                        <p:cTn id="7" dur="1000"/>
-                                        <p:tgtEl>
-                                          <p:spTgt spid="3">
-                                            <p:txEl>
-                                              <p:pRg st="0" end="0"/>
-                                            </p:txEl>
-                                          </p:spTgt>
-                                        </p:tgtEl>
-                                      </p:cBhvr>
-                                    </p:animEffect>
-                                  </p:childTnLst>
-                                </p:cTn>
-                              </p:par>
-                              <p:par>
-                                <p:cTn id="8" presetID="9" presetClass="entr" presetSubtype="0" fill="hold" nodeType="withEffect">
-                                  <p:stCondLst>
-                                    <p:cond delay="0"/>
-                                  </p:stCondLst>
-                                  <p:childTnLst>
-                                    <p:set>
-                                      <p:cBhvr>
-                                        <p:cTn id="9" dur="1" fill="hold">
-                                          <p:stCondLst>
-                                            <p:cond delay="0"/>
-                                          </p:stCondLst>
-                                        </p:cTn>
-                                        <p:tgtEl>
-                                          <p:spTgt spid="3">
-                                            <p:txEl>
-                                              <p:pRg st="1" end="1"/>
-                                            </p:txEl>
-                                          </p:spTgt>
-                                        </p:tgtEl>
-                                        <p:attrNameLst>
-                                          <p:attrName>style.visibility</p:attrName>
-                                        </p:attrNameLst>
-                                      </p:cBhvr>
-                                      <p:to>
-                                        <p:strVal val="visible"/>
-                                      </p:to>
-                                    </p:set>
-                                    <p:animEffect transition="in" filter="dissolve">
-                                      <p:cBhvr>
-                                        <p:cTn id="10" dur="1000"/>
-                                        <p:tgtEl>
-                                          <p:spTgt spid="3">
-                                            <p:txEl>
-                                              <p:pRg st="1" end="1"/>
-                                            </p:txEl>
-                                          </p:spTgt>
-                                        </p:tgtEl>
-                                      </p:cBhvr>
-                                    </p:animEffect>
-                                  </p:childTnLst>
-                                </p:cTn>
-                              </p:par>
-                            </p:childTnLst>
-                          </p:cTn>
-                        </p:par>
-                      </p:childTnLst>
-                    </p:cTn>
-                  </p:par>
-                  <p:par>
-                    <p:cTn id="11" fill="hold">
-                      <p:stCondLst>
-                        <p:cond delay="indefinite"/>
-                      </p:stCondLst>
-                      <p:childTnLst>
-                        <p:par>
-                          <p:cTn id="12" fill="hold">
-                            <p:stCondLst>
-                              <p:cond delay="0"/>
-                            </p:stCondLst>
-                            <p:childTnLst>
-                              <p:par>
-                                <p:cTn id="13" presetID="2" presetClass="entr" presetSubtype="1" fill="hold" grpId="0" nodeType="clickEffect">
-                                  <p:stCondLst>
-                                    <p:cond delay="0"/>
-                                  </p:stCondLst>
-                                  <p:childTnLst>
-                                    <p:set>
-                                      <p:cBhvr>
-                                        <p:cTn id="14" dur="1" fill="hold">
                                           <p:stCondLst>
                                             <p:cond delay="0"/>
                                           </p:stCondLst>
@@ -6375,7 +6292,7 @@
                                     </p:set>
                                     <p:anim calcmode="lin" valueType="num">
                                       <p:cBhvr additive="base">
-                                        <p:cTn id="15" dur="500" fill="hold"/>
+                                        <p:cTn id="7" dur="500" fill="hold"/>
                                         <p:tgtEl>
                                           <p:spTgt spid="8"/>
                                         </p:tgtEl>
@@ -6398,7 +6315,7 @@
                                     </p:anim>
                                     <p:anim calcmode="lin" valueType="num">
                                       <p:cBhvr additive="base">
-                                        <p:cTn id="16" dur="500" fill="hold"/>
+                                        <p:cTn id="8" dur="500" fill="hold"/>
                                         <p:tgtEl>
                                           <p:spTgt spid="8"/>
                                         </p:tgtEl>
@@ -6410,6 +6327,201 @@
                                         <p:tav tm="0">
                                           <p:val>
                                             <p:strVal val="0-#ppt_h/2"/>
+                                          </p:val>
+                                        </p:tav>
+                                        <p:tav tm="100000">
+                                          <p:val>
+                                            <p:strVal val="#ppt_y"/>
+                                          </p:val>
+                                        </p:tav>
+                                      </p:tavLst>
+                                    </p:anim>
+                                  </p:childTnLst>
+                                </p:cTn>
+                              </p:par>
+                            </p:childTnLst>
+                          </p:cTn>
+                        </p:par>
+                      </p:childTnLst>
+                    </p:cTn>
+                  </p:par>
+                  <p:par>
+                    <p:cTn id="9" fill="hold">
+                      <p:stCondLst>
+                        <p:cond delay="indefinite"/>
+                      </p:stCondLst>
+                      <p:childTnLst>
+                        <p:par>
+                          <p:cTn id="10" fill="hold">
+                            <p:stCondLst>
+                              <p:cond delay="0"/>
+                            </p:stCondLst>
+                            <p:childTnLst>
+                              <p:par>
+                                <p:cTn id="11" presetID="9" presetClass="entr" presetSubtype="0" fill="hold" nodeType="clickEffect">
+                                  <p:stCondLst>
+                                    <p:cond delay="0"/>
+                                  </p:stCondLst>
+                                  <p:childTnLst>
+                                    <p:set>
+                                      <p:cBhvr>
+                                        <p:cTn id="12" dur="1" fill="hold">
+                                          <p:stCondLst>
+                                            <p:cond delay="0"/>
+                                          </p:stCondLst>
+                                        </p:cTn>
+                                        <p:tgtEl>
+                                          <p:spTgt spid="3">
+                                            <p:txEl>
+                                              <p:pRg st="0" end="0"/>
+                                            </p:txEl>
+                                          </p:spTgt>
+                                        </p:tgtEl>
+                                        <p:attrNameLst>
+                                          <p:attrName>style.visibility</p:attrName>
+                                        </p:attrNameLst>
+                                      </p:cBhvr>
+                                      <p:to>
+                                        <p:strVal val="visible"/>
+                                      </p:to>
+                                    </p:set>
+                                    <p:animEffect transition="in" filter="dissolve">
+                                      <p:cBhvr>
+                                        <p:cTn id="13" dur="1000"/>
+                                        <p:tgtEl>
+                                          <p:spTgt spid="3">
+                                            <p:txEl>
+                                              <p:pRg st="0" end="0"/>
+                                            </p:txEl>
+                                          </p:spTgt>
+                                        </p:tgtEl>
+                                      </p:cBhvr>
+                                    </p:animEffect>
+                                  </p:childTnLst>
+                                </p:cTn>
+                              </p:par>
+                              <p:par>
+                                <p:cTn id="14" presetID="9" presetClass="entr" presetSubtype="0" fill="hold" nodeType="withEffect">
+                                  <p:stCondLst>
+                                    <p:cond delay="0"/>
+                                  </p:stCondLst>
+                                  <p:childTnLst>
+                                    <p:set>
+                                      <p:cBhvr>
+                                        <p:cTn id="15" dur="1" fill="hold">
+                                          <p:stCondLst>
+                                            <p:cond delay="0"/>
+                                          </p:stCondLst>
+                                        </p:cTn>
+                                        <p:tgtEl>
+                                          <p:spTgt spid="3">
+                                            <p:txEl>
+                                              <p:pRg st="1" end="1"/>
+                                            </p:txEl>
+                                          </p:spTgt>
+                                        </p:tgtEl>
+                                        <p:attrNameLst>
+                                          <p:attrName>style.visibility</p:attrName>
+                                        </p:attrNameLst>
+                                      </p:cBhvr>
+                                      <p:to>
+                                        <p:strVal val="visible"/>
+                                      </p:to>
+                                    </p:set>
+                                    <p:animEffect transition="in" filter="dissolve">
+                                      <p:cBhvr>
+                                        <p:cTn id="16" dur="1000"/>
+                                        <p:tgtEl>
+                                          <p:spTgt spid="3">
+                                            <p:txEl>
+                                              <p:pRg st="1" end="1"/>
+                                            </p:txEl>
+                                          </p:spTgt>
+                                        </p:tgtEl>
+                                      </p:cBhvr>
+                                    </p:animEffect>
+                                  </p:childTnLst>
+                                </p:cTn>
+                              </p:par>
+                            </p:childTnLst>
+                          </p:cTn>
+                        </p:par>
+                      </p:childTnLst>
+                    </p:cTn>
+                  </p:par>
+                  <p:par>
+                    <p:cTn id="17" fill="hold">
+                      <p:stCondLst>
+                        <p:cond delay="indefinite"/>
+                      </p:stCondLst>
+                      <p:childTnLst>
+                        <p:par>
+                          <p:cTn id="18" fill="hold">
+                            <p:stCondLst>
+                              <p:cond delay="0"/>
+                            </p:stCondLst>
+                            <p:childTnLst>
+                              <p:par>
+                                <p:cTn id="19" presetID="2" presetClass="entr" presetSubtype="4" fill="hold" grpId="0" nodeType="clickEffect">
+                                  <p:stCondLst>
+                                    <p:cond delay="0"/>
+                                  </p:stCondLst>
+                                  <p:childTnLst>
+                                    <p:set>
+                                      <p:cBhvr>
+                                        <p:cTn id="20" dur="1" fill="hold">
+                                          <p:stCondLst>
+                                            <p:cond delay="0"/>
+                                          </p:stCondLst>
+                                        </p:cTn>
+                                        <p:tgtEl>
+                                          <p:spTgt spid="2"/>
+                                        </p:tgtEl>
+                                        <p:attrNameLst>
+                                          <p:attrName>style.visibility</p:attrName>
+                                        </p:attrNameLst>
+                                      </p:cBhvr>
+                                      <p:to>
+                                        <p:strVal val="visible"/>
+                                      </p:to>
+                                    </p:set>
+                                    <p:anim calcmode="lin" valueType="num">
+                                      <p:cBhvr additive="base">
+                                        <p:cTn id="21" dur="500" fill="hold"/>
+                                        <p:tgtEl>
+                                          <p:spTgt spid="2"/>
+                                        </p:tgtEl>
+                                        <p:attrNameLst>
+                                          <p:attrName>ppt_x</p:attrName>
+                                        </p:attrNameLst>
+                                      </p:cBhvr>
+                                      <p:tavLst>
+                                        <p:tav tm="0">
+                                          <p:val>
+                                            <p:strVal val="#ppt_x"/>
+                                          </p:val>
+                                        </p:tav>
+                                        <p:tav tm="100000">
+                                          <p:val>
+                                            <p:strVal val="#ppt_x"/>
+                                          </p:val>
+                                        </p:tav>
+                                      </p:tavLst>
+                                    </p:anim>
+                                    <p:anim calcmode="lin" valueType="num">
+                                      <p:cBhvr additive="base">
+                                        <p:cTn id="22" dur="500" fill="hold"/>
+                                        <p:tgtEl>
+                                          <p:spTgt spid="2"/>
+                                        </p:tgtEl>
+                                        <p:attrNameLst>
+                                          <p:attrName>ppt_y</p:attrName>
+                                        </p:attrNameLst>
+                                      </p:cBhvr>
+                                      <p:tavLst>
+                                        <p:tav tm="0">
+                                          <p:val>
+                                            <p:strVal val="1+#ppt_h/2"/>
                                           </p:val>
                                         </p:tav>
                                         <p:tav tm="100000">
@@ -6451,6 +6563,7 @@
     </p:tnLst>
     <p:bldLst>
       <p:bldP spid="8" grpId="0"/>
+      <p:bldP spid="2" grpId="0"/>
     </p:bldLst>
   </p:timing>
 </p:sld>

--- a/spring13/slides13/dags.pptx
+++ b/spring13/slides13/dags.pptx
@@ -897,6 +897,346 @@
 </p:notes>
 </file>
 
+<file path=ppt/notesSlides/notesSlide10.xml><?xml version="1.0" encoding="utf-8"?>
+<p:notes xmlns:a="http://schemas.openxmlformats.org/drawingml/2006/main" xmlns:r="http://schemas.openxmlformats.org/officeDocument/2006/relationships" xmlns:p="http://schemas.openxmlformats.org/presentationml/2006/main">
+  <p:cSld>
+    <p:spTree>
+      <p:nvGrpSpPr>
+        <p:cNvPr id="1" name=""/>
+        <p:cNvGrpSpPr/>
+        <p:nvPr/>
+      </p:nvGrpSpPr>
+      <p:grpSpPr>
+        <a:xfrm>
+          <a:off x="0" y="0"/>
+          <a:ext cx="0" cy="0"/>
+          <a:chOff x="0" y="0"/>
+          <a:chExt cx="0" cy="0"/>
+        </a:xfrm>
+      </p:grpSpPr>
+      <p:sp>
+        <p:nvSpPr>
+          <p:cNvPr id="2" name="Slide Image Placeholder 1"/>
+          <p:cNvSpPr>
+            <a:spLocks noGrp="1" noRot="1" noChangeAspect="1"/>
+          </p:cNvSpPr>
+          <p:nvPr>
+            <p:ph type="sldImg"/>
+          </p:nvPr>
+        </p:nvSpPr>
+        <p:spPr/>
+      </p:sp>
+      <p:sp>
+        <p:nvSpPr>
+          <p:cNvPr id="3" name="Notes Placeholder 2"/>
+          <p:cNvSpPr>
+            <a:spLocks noGrp="1"/>
+          </p:cNvSpPr>
+          <p:nvPr>
+            <p:ph type="body" idx="1"/>
+          </p:nvPr>
+        </p:nvSpPr>
+        <p:spPr/>
+        <p:txBody>
+          <a:bodyPr/>
+          <a:lstStyle/>
+          <a:p>
+            <a:endParaRPr lang="en-US"/>
+          </a:p>
+        </p:txBody>
+      </p:sp>
+      <p:sp>
+        <p:nvSpPr>
+          <p:cNvPr id="4" name="Slide Number Placeholder 3"/>
+          <p:cNvSpPr>
+            <a:spLocks noGrp="1"/>
+          </p:cNvSpPr>
+          <p:nvPr>
+            <p:ph type="sldNum" sz="quarter" idx="10"/>
+          </p:nvPr>
+        </p:nvSpPr>
+        <p:spPr/>
+        <p:txBody>
+          <a:bodyPr/>
+          <a:lstStyle/>
+          <a:p>
+            <a:fld id="{2290380C-F846-4D61-BB06-6FCFBA28E193}" type="slidenum">
+              <a:rPr lang="en-US" smtClean="0"/>
+              <a:pPr/>
+              <a:t>10</a:t>
+            </a:fld>
+            <a:endParaRPr lang="en-US"/>
+          </a:p>
+        </p:txBody>
+      </p:sp>
+    </p:spTree>
+    <p:extLst>
+      <p:ext uri="{BB962C8B-B14F-4D97-AF65-F5344CB8AC3E}">
+        <p14:creationId xmlns:p14="http://schemas.microsoft.com/office/powerpoint/2010/main" val="2782668965"/>
+      </p:ext>
+    </p:extLst>
+  </p:cSld>
+  <p:clrMapOvr>
+    <a:masterClrMapping/>
+  </p:clrMapOvr>
+</p:notes>
+</file>
+
+<file path=ppt/notesSlides/notesSlide11.xml><?xml version="1.0" encoding="utf-8"?>
+<p:notes xmlns:a="http://schemas.openxmlformats.org/drawingml/2006/main" xmlns:r="http://schemas.openxmlformats.org/officeDocument/2006/relationships" xmlns:p="http://schemas.openxmlformats.org/presentationml/2006/main">
+  <p:cSld>
+    <p:spTree>
+      <p:nvGrpSpPr>
+        <p:cNvPr id="1" name=""/>
+        <p:cNvGrpSpPr/>
+        <p:nvPr/>
+      </p:nvGrpSpPr>
+      <p:grpSpPr>
+        <a:xfrm>
+          <a:off x="0" y="0"/>
+          <a:ext cx="0" cy="0"/>
+          <a:chOff x="0" y="0"/>
+          <a:chExt cx="0" cy="0"/>
+        </a:xfrm>
+      </p:grpSpPr>
+      <p:sp>
+        <p:nvSpPr>
+          <p:cNvPr id="2" name="Slide Image Placeholder 1"/>
+          <p:cNvSpPr>
+            <a:spLocks noGrp="1" noRot="1" noChangeAspect="1"/>
+          </p:cNvSpPr>
+          <p:nvPr>
+            <p:ph type="sldImg"/>
+          </p:nvPr>
+        </p:nvSpPr>
+        <p:spPr/>
+      </p:sp>
+      <p:sp>
+        <p:nvSpPr>
+          <p:cNvPr id="3" name="Notes Placeholder 2"/>
+          <p:cNvSpPr>
+            <a:spLocks noGrp="1"/>
+          </p:cNvSpPr>
+          <p:nvPr>
+            <p:ph type="body" idx="1"/>
+          </p:nvPr>
+        </p:nvSpPr>
+        <p:spPr/>
+        <p:txBody>
+          <a:bodyPr/>
+          <a:lstStyle/>
+          <a:p>
+            <a:endParaRPr lang="en-US"/>
+          </a:p>
+        </p:txBody>
+      </p:sp>
+      <p:sp>
+        <p:nvSpPr>
+          <p:cNvPr id="4" name="Slide Number Placeholder 3"/>
+          <p:cNvSpPr>
+            <a:spLocks noGrp="1"/>
+          </p:cNvSpPr>
+          <p:nvPr>
+            <p:ph type="sldNum" sz="quarter" idx="10"/>
+          </p:nvPr>
+        </p:nvSpPr>
+        <p:spPr/>
+        <p:txBody>
+          <a:bodyPr/>
+          <a:lstStyle/>
+          <a:p>
+            <a:fld id="{2290380C-F846-4D61-BB06-6FCFBA28E193}" type="slidenum">
+              <a:rPr lang="en-US" smtClean="0"/>
+              <a:pPr/>
+              <a:t>11</a:t>
+            </a:fld>
+            <a:endParaRPr lang="en-US"/>
+          </a:p>
+        </p:txBody>
+      </p:sp>
+    </p:spTree>
+    <p:extLst>
+      <p:ext uri="{BB962C8B-B14F-4D97-AF65-F5344CB8AC3E}">
+        <p14:creationId xmlns:p14="http://schemas.microsoft.com/office/powerpoint/2010/main" val="1051529571"/>
+      </p:ext>
+    </p:extLst>
+  </p:cSld>
+  <p:clrMapOvr>
+    <a:masterClrMapping/>
+  </p:clrMapOvr>
+</p:notes>
+</file>
+
+<file path=ppt/notesSlides/notesSlide12.xml><?xml version="1.0" encoding="utf-8"?>
+<p:notes xmlns:a="http://schemas.openxmlformats.org/drawingml/2006/main" xmlns:r="http://schemas.openxmlformats.org/officeDocument/2006/relationships" xmlns:p="http://schemas.openxmlformats.org/presentationml/2006/main">
+  <p:cSld>
+    <p:spTree>
+      <p:nvGrpSpPr>
+        <p:cNvPr id="1" name=""/>
+        <p:cNvGrpSpPr/>
+        <p:nvPr/>
+      </p:nvGrpSpPr>
+      <p:grpSpPr>
+        <a:xfrm>
+          <a:off x="0" y="0"/>
+          <a:ext cx="0" cy="0"/>
+          <a:chOff x="0" y="0"/>
+          <a:chExt cx="0" cy="0"/>
+        </a:xfrm>
+      </p:grpSpPr>
+      <p:sp>
+        <p:nvSpPr>
+          <p:cNvPr id="2" name="Slide Image Placeholder 1"/>
+          <p:cNvSpPr>
+            <a:spLocks noGrp="1" noRot="1" noChangeAspect="1"/>
+          </p:cNvSpPr>
+          <p:nvPr>
+            <p:ph type="sldImg"/>
+          </p:nvPr>
+        </p:nvSpPr>
+        <p:spPr/>
+      </p:sp>
+      <p:sp>
+        <p:nvSpPr>
+          <p:cNvPr id="3" name="Notes Placeholder 2"/>
+          <p:cNvSpPr>
+            <a:spLocks noGrp="1"/>
+          </p:cNvSpPr>
+          <p:nvPr>
+            <p:ph type="body" idx="1"/>
+          </p:nvPr>
+        </p:nvSpPr>
+        <p:spPr/>
+        <p:txBody>
+          <a:bodyPr/>
+          <a:lstStyle/>
+          <a:p>
+            <a:endParaRPr lang="en-US"/>
+          </a:p>
+        </p:txBody>
+      </p:sp>
+      <p:sp>
+        <p:nvSpPr>
+          <p:cNvPr id="4" name="Slide Number Placeholder 3"/>
+          <p:cNvSpPr>
+            <a:spLocks noGrp="1"/>
+          </p:cNvSpPr>
+          <p:nvPr>
+            <p:ph type="sldNum" sz="quarter" idx="10"/>
+          </p:nvPr>
+        </p:nvSpPr>
+        <p:spPr/>
+        <p:txBody>
+          <a:bodyPr/>
+          <a:lstStyle/>
+          <a:p>
+            <a:fld id="{2290380C-F846-4D61-BB06-6FCFBA28E193}" type="slidenum">
+              <a:rPr lang="en-US" smtClean="0"/>
+              <a:pPr/>
+              <a:t>12</a:t>
+            </a:fld>
+            <a:endParaRPr lang="en-US"/>
+          </a:p>
+        </p:txBody>
+      </p:sp>
+    </p:spTree>
+    <p:extLst>
+      <p:ext uri="{BB962C8B-B14F-4D97-AF65-F5344CB8AC3E}">
+        <p14:creationId xmlns:p14="http://schemas.microsoft.com/office/powerpoint/2010/main" val="126213969"/>
+      </p:ext>
+    </p:extLst>
+  </p:cSld>
+  <p:clrMapOvr>
+    <a:masterClrMapping/>
+  </p:clrMapOvr>
+</p:notes>
+</file>
+
+<file path=ppt/notesSlides/notesSlide13.xml><?xml version="1.0" encoding="utf-8"?>
+<p:notes xmlns:a="http://schemas.openxmlformats.org/drawingml/2006/main" xmlns:r="http://schemas.openxmlformats.org/officeDocument/2006/relationships" xmlns:p="http://schemas.openxmlformats.org/presentationml/2006/main">
+  <p:cSld>
+    <p:spTree>
+      <p:nvGrpSpPr>
+        <p:cNvPr id="1" name=""/>
+        <p:cNvGrpSpPr/>
+        <p:nvPr/>
+      </p:nvGrpSpPr>
+      <p:grpSpPr>
+        <a:xfrm>
+          <a:off x="0" y="0"/>
+          <a:ext cx="0" cy="0"/>
+          <a:chOff x="0" y="0"/>
+          <a:chExt cx="0" cy="0"/>
+        </a:xfrm>
+      </p:grpSpPr>
+      <p:sp>
+        <p:nvSpPr>
+          <p:cNvPr id="2" name="Slide Image Placeholder 1"/>
+          <p:cNvSpPr>
+            <a:spLocks noGrp="1" noRot="1" noChangeAspect="1"/>
+          </p:cNvSpPr>
+          <p:nvPr>
+            <p:ph type="sldImg"/>
+          </p:nvPr>
+        </p:nvSpPr>
+        <p:spPr/>
+      </p:sp>
+      <p:sp>
+        <p:nvSpPr>
+          <p:cNvPr id="3" name="Notes Placeholder 2"/>
+          <p:cNvSpPr>
+            <a:spLocks noGrp="1"/>
+          </p:cNvSpPr>
+          <p:nvPr>
+            <p:ph type="body" idx="1"/>
+          </p:nvPr>
+        </p:nvSpPr>
+        <p:spPr/>
+        <p:txBody>
+          <a:bodyPr/>
+          <a:lstStyle/>
+          <a:p>
+            <a:endParaRPr lang="en-US"/>
+          </a:p>
+        </p:txBody>
+      </p:sp>
+      <p:sp>
+        <p:nvSpPr>
+          <p:cNvPr id="4" name="Slide Number Placeholder 3"/>
+          <p:cNvSpPr>
+            <a:spLocks noGrp="1"/>
+          </p:cNvSpPr>
+          <p:nvPr>
+            <p:ph type="sldNum" sz="quarter" idx="10"/>
+          </p:nvPr>
+        </p:nvSpPr>
+        <p:spPr/>
+        <p:txBody>
+          <a:bodyPr/>
+          <a:lstStyle/>
+          <a:p>
+            <a:fld id="{2290380C-F846-4D61-BB06-6FCFBA28E193}" type="slidenum">
+              <a:rPr lang="en-US" smtClean="0"/>
+              <a:pPr/>
+              <a:t>13</a:t>
+            </a:fld>
+            <a:endParaRPr lang="en-US"/>
+          </a:p>
+        </p:txBody>
+      </p:sp>
+    </p:spTree>
+    <p:extLst>
+      <p:ext uri="{BB962C8B-B14F-4D97-AF65-F5344CB8AC3E}">
+        <p14:creationId xmlns:p14="http://schemas.microsoft.com/office/powerpoint/2010/main" val="665875780"/>
+      </p:ext>
+    </p:extLst>
+  </p:cSld>
+  <p:clrMapOvr>
+    <a:masterClrMapping/>
+  </p:clrMapOvr>
+</p:notes>
+</file>
+
 <file path=ppt/notesSlides/notesSlide2.xml><?xml version="1.0" encoding="utf-8"?>
 <p:notes xmlns:a="http://schemas.openxmlformats.org/drawingml/2006/main" xmlns:r="http://schemas.openxmlformats.org/officeDocument/2006/relationships" xmlns:p="http://schemas.openxmlformats.org/presentationml/2006/main">
   <p:cSld>
@@ -916,49 +1256,21 @@
       </p:grpSpPr>
       <p:sp>
         <p:nvSpPr>
-          <p:cNvPr id="7" name="Rectangle 7"/>
+          <p:cNvPr id="2" name="Slide Image Placeholder 1"/>
           <p:cNvSpPr>
-            <a:spLocks noGrp="1" noChangeArrowheads="1"/>
-          </p:cNvSpPr>
-          <p:nvPr>
-            <p:ph type="sldNum" sz="quarter" idx="5"/>
-          </p:nvPr>
-        </p:nvSpPr>
-        <p:spPr>
-          <a:ln/>
-        </p:spPr>
-        <p:txBody>
-          <a:bodyPr/>
-          <a:lstStyle/>
-          <a:p>
-            <a:fld id="{4875FC26-F0A8-4884-B4EE-93249602686A}" type="slidenum">
-              <a:rPr lang="en-US"/>
-              <a:pPr/>
-              <a:t>3</a:t>
-            </a:fld>
-            <a:endParaRPr lang="en-US"/>
-          </a:p>
-        </p:txBody>
-      </p:sp>
-      <p:sp>
-        <p:nvSpPr>
-          <p:cNvPr id="699394" name="Rectangle 2"/>
-          <p:cNvSpPr>
-            <a:spLocks noGrp="1" noRot="1" noChangeAspect="1" noChangeArrowheads="1" noTextEdit="1"/>
+            <a:spLocks noGrp="1" noRot="1" noChangeAspect="1"/>
           </p:cNvSpPr>
           <p:nvPr>
             <p:ph type="sldImg"/>
           </p:nvPr>
         </p:nvSpPr>
-        <p:spPr>
-          <a:ln/>
-        </p:spPr>
+        <p:spPr/>
       </p:sp>
       <p:sp>
         <p:nvSpPr>
-          <p:cNvPr id="699395" name="Rectangle 3"/>
+          <p:cNvPr id="3" name="Notes Placeholder 2"/>
           <p:cNvSpPr>
-            <a:spLocks noGrp="1" noChangeArrowheads="1"/>
+            <a:spLocks noGrp="1"/>
           </p:cNvSpPr>
           <p:nvPr>
             <p:ph type="body" idx="1"/>
@@ -973,7 +1285,36 @@
           </a:p>
         </p:txBody>
       </p:sp>
+      <p:sp>
+        <p:nvSpPr>
+          <p:cNvPr id="4" name="Slide Number Placeholder 3"/>
+          <p:cNvSpPr>
+            <a:spLocks noGrp="1"/>
+          </p:cNvSpPr>
+          <p:nvPr>
+            <p:ph type="sldNum" sz="quarter" idx="10"/>
+          </p:nvPr>
+        </p:nvSpPr>
+        <p:spPr/>
+        <p:txBody>
+          <a:bodyPr/>
+          <a:lstStyle/>
+          <a:p>
+            <a:fld id="{2290380C-F846-4D61-BB06-6FCFBA28E193}" type="slidenum">
+              <a:rPr lang="en-US" smtClean="0"/>
+              <a:pPr/>
+              <a:t>2</a:t>
+            </a:fld>
+            <a:endParaRPr lang="en-US"/>
+          </a:p>
+        </p:txBody>
+      </p:sp>
     </p:spTree>
+    <p:extLst>
+      <p:ext uri="{BB962C8B-B14F-4D97-AF65-F5344CB8AC3E}">
+        <p14:creationId xmlns:p14="http://schemas.microsoft.com/office/powerpoint/2010/main" val="1049136726"/>
+      </p:ext>
+    </p:extLst>
   </p:cSld>
   <p:clrMapOvr>
     <a:masterClrMapping/>
@@ -1015,10 +1356,10 @@
           <a:bodyPr/>
           <a:lstStyle/>
           <a:p>
-            <a:fld id="{0650BD07-8D67-4DFB-AC25-E668B820B6CE}" type="slidenum">
+            <a:fld id="{4875FC26-F0A8-4884-B4EE-93249602686A}" type="slidenum">
               <a:rPr lang="en-US"/>
               <a:pPr/>
-              <a:t>4</a:t>
+              <a:t>3</a:t>
             </a:fld>
             <a:endParaRPr lang="en-US"/>
           </a:p>
@@ -1026,7 +1367,7 @@
       </p:sp>
       <p:sp>
         <p:nvSpPr>
-          <p:cNvPr id="698370" name="Rectangle 2"/>
+          <p:cNvPr id="699394" name="Rectangle 2"/>
           <p:cNvSpPr>
             <a:spLocks noGrp="1" noRot="1" noChangeAspect="1" noChangeArrowheads="1" noTextEdit="1"/>
           </p:cNvSpPr>
@@ -1040,7 +1381,7 @@
       </p:sp>
       <p:sp>
         <p:nvSpPr>
-          <p:cNvPr id="698371" name="Rectangle 3"/>
+          <p:cNvPr id="699395" name="Rectangle 3"/>
           <p:cNvSpPr>
             <a:spLocks noGrp="1" noChangeArrowheads="1"/>
           </p:cNvSpPr>
@@ -1102,7 +1443,7 @@
             <a:fld id="{0650BD07-8D67-4DFB-AC25-E668B820B6CE}" type="slidenum">
               <a:rPr lang="en-US"/>
               <a:pPr/>
-              <a:t>5</a:t>
+              <a:t>4</a:t>
             </a:fld>
             <a:endParaRPr lang="en-US"/>
           </a:p>
@@ -1183,6 +1524,260 @@
           <a:bodyPr/>
           <a:lstStyle/>
           <a:p>
+            <a:fld id="{0650BD07-8D67-4DFB-AC25-E668B820B6CE}" type="slidenum">
+              <a:rPr lang="en-US"/>
+              <a:pPr/>
+              <a:t>5</a:t>
+            </a:fld>
+            <a:endParaRPr lang="en-US"/>
+          </a:p>
+        </p:txBody>
+      </p:sp>
+      <p:sp>
+        <p:nvSpPr>
+          <p:cNvPr id="698370" name="Rectangle 2"/>
+          <p:cNvSpPr>
+            <a:spLocks noGrp="1" noRot="1" noChangeAspect="1" noChangeArrowheads="1" noTextEdit="1"/>
+          </p:cNvSpPr>
+          <p:nvPr>
+            <p:ph type="sldImg"/>
+          </p:nvPr>
+        </p:nvSpPr>
+        <p:spPr>
+          <a:ln/>
+        </p:spPr>
+      </p:sp>
+      <p:sp>
+        <p:nvSpPr>
+          <p:cNvPr id="698371" name="Rectangle 3"/>
+          <p:cNvSpPr>
+            <a:spLocks noGrp="1" noChangeArrowheads="1"/>
+          </p:cNvSpPr>
+          <p:nvPr>
+            <p:ph type="body" idx="1"/>
+          </p:nvPr>
+        </p:nvSpPr>
+        <p:spPr/>
+        <p:txBody>
+          <a:bodyPr/>
+          <a:lstStyle/>
+          <a:p>
+            <a:endParaRPr lang="en-US"/>
+          </a:p>
+        </p:txBody>
+      </p:sp>
+    </p:spTree>
+  </p:cSld>
+  <p:clrMapOvr>
+    <a:masterClrMapping/>
+  </p:clrMapOvr>
+</p:notes>
+</file>
+
+<file path=ppt/notesSlides/notesSlide6.xml><?xml version="1.0" encoding="utf-8"?>
+<p:notes xmlns:a="http://schemas.openxmlformats.org/drawingml/2006/main" xmlns:r="http://schemas.openxmlformats.org/officeDocument/2006/relationships" xmlns:p="http://schemas.openxmlformats.org/presentationml/2006/main">
+  <p:cSld>
+    <p:spTree>
+      <p:nvGrpSpPr>
+        <p:cNvPr id="1" name=""/>
+        <p:cNvGrpSpPr/>
+        <p:nvPr/>
+      </p:nvGrpSpPr>
+      <p:grpSpPr>
+        <a:xfrm>
+          <a:off x="0" y="0"/>
+          <a:ext cx="0" cy="0"/>
+          <a:chOff x="0" y="0"/>
+          <a:chExt cx="0" cy="0"/>
+        </a:xfrm>
+      </p:grpSpPr>
+      <p:sp>
+        <p:nvSpPr>
+          <p:cNvPr id="2" name="Slide Image Placeholder 1"/>
+          <p:cNvSpPr>
+            <a:spLocks noGrp="1" noRot="1" noChangeAspect="1"/>
+          </p:cNvSpPr>
+          <p:nvPr>
+            <p:ph type="sldImg"/>
+          </p:nvPr>
+        </p:nvSpPr>
+        <p:spPr/>
+      </p:sp>
+      <p:sp>
+        <p:nvSpPr>
+          <p:cNvPr id="3" name="Notes Placeholder 2"/>
+          <p:cNvSpPr>
+            <a:spLocks noGrp="1"/>
+          </p:cNvSpPr>
+          <p:nvPr>
+            <p:ph type="body" idx="1"/>
+          </p:nvPr>
+        </p:nvSpPr>
+        <p:spPr/>
+        <p:txBody>
+          <a:bodyPr/>
+          <a:lstStyle/>
+          <a:p>
+            <a:endParaRPr lang="en-US"/>
+          </a:p>
+        </p:txBody>
+      </p:sp>
+      <p:sp>
+        <p:nvSpPr>
+          <p:cNvPr id="4" name="Slide Number Placeholder 3"/>
+          <p:cNvSpPr>
+            <a:spLocks noGrp="1"/>
+          </p:cNvSpPr>
+          <p:nvPr>
+            <p:ph type="sldNum" sz="quarter" idx="10"/>
+          </p:nvPr>
+        </p:nvSpPr>
+        <p:spPr/>
+        <p:txBody>
+          <a:bodyPr/>
+          <a:lstStyle/>
+          <a:p>
+            <a:fld id="{2290380C-F846-4D61-BB06-6FCFBA28E193}" type="slidenum">
+              <a:rPr lang="en-US" smtClean="0"/>
+              <a:pPr/>
+              <a:t>6</a:t>
+            </a:fld>
+            <a:endParaRPr lang="en-US"/>
+          </a:p>
+        </p:txBody>
+      </p:sp>
+    </p:spTree>
+    <p:extLst>
+      <p:ext uri="{BB962C8B-B14F-4D97-AF65-F5344CB8AC3E}">
+        <p14:creationId xmlns:p14="http://schemas.microsoft.com/office/powerpoint/2010/main" val="753783166"/>
+      </p:ext>
+    </p:extLst>
+  </p:cSld>
+  <p:clrMapOvr>
+    <a:masterClrMapping/>
+  </p:clrMapOvr>
+</p:notes>
+</file>
+
+<file path=ppt/notesSlides/notesSlide7.xml><?xml version="1.0" encoding="utf-8"?>
+<p:notes xmlns:a="http://schemas.openxmlformats.org/drawingml/2006/main" xmlns:r="http://schemas.openxmlformats.org/officeDocument/2006/relationships" xmlns:p="http://schemas.openxmlformats.org/presentationml/2006/main">
+  <p:cSld>
+    <p:spTree>
+      <p:nvGrpSpPr>
+        <p:cNvPr id="1" name=""/>
+        <p:cNvGrpSpPr/>
+        <p:nvPr/>
+      </p:nvGrpSpPr>
+      <p:grpSpPr>
+        <a:xfrm>
+          <a:off x="0" y="0"/>
+          <a:ext cx="0" cy="0"/>
+          <a:chOff x="0" y="0"/>
+          <a:chExt cx="0" cy="0"/>
+        </a:xfrm>
+      </p:grpSpPr>
+      <p:sp>
+        <p:nvSpPr>
+          <p:cNvPr id="2" name="Slide Image Placeholder 1"/>
+          <p:cNvSpPr>
+            <a:spLocks noGrp="1" noRot="1" noChangeAspect="1"/>
+          </p:cNvSpPr>
+          <p:nvPr>
+            <p:ph type="sldImg"/>
+          </p:nvPr>
+        </p:nvSpPr>
+        <p:spPr/>
+      </p:sp>
+      <p:sp>
+        <p:nvSpPr>
+          <p:cNvPr id="3" name="Notes Placeholder 2"/>
+          <p:cNvSpPr>
+            <a:spLocks noGrp="1"/>
+          </p:cNvSpPr>
+          <p:nvPr>
+            <p:ph type="body" idx="1"/>
+          </p:nvPr>
+        </p:nvSpPr>
+        <p:spPr/>
+        <p:txBody>
+          <a:bodyPr/>
+          <a:lstStyle/>
+          <a:p>
+            <a:endParaRPr lang="en-US"/>
+          </a:p>
+        </p:txBody>
+      </p:sp>
+      <p:sp>
+        <p:nvSpPr>
+          <p:cNvPr id="4" name="Slide Number Placeholder 3"/>
+          <p:cNvSpPr>
+            <a:spLocks noGrp="1"/>
+          </p:cNvSpPr>
+          <p:nvPr>
+            <p:ph type="sldNum" sz="quarter" idx="10"/>
+          </p:nvPr>
+        </p:nvSpPr>
+        <p:spPr/>
+        <p:txBody>
+          <a:bodyPr/>
+          <a:lstStyle/>
+          <a:p>
+            <a:fld id="{2290380C-F846-4D61-BB06-6FCFBA28E193}" type="slidenum">
+              <a:rPr lang="en-US" smtClean="0"/>
+              <a:pPr/>
+              <a:t>7</a:t>
+            </a:fld>
+            <a:endParaRPr lang="en-US"/>
+          </a:p>
+        </p:txBody>
+      </p:sp>
+    </p:spTree>
+    <p:extLst>
+      <p:ext uri="{BB962C8B-B14F-4D97-AF65-F5344CB8AC3E}">
+        <p14:creationId xmlns:p14="http://schemas.microsoft.com/office/powerpoint/2010/main" val="3384843694"/>
+      </p:ext>
+    </p:extLst>
+  </p:cSld>
+  <p:clrMapOvr>
+    <a:masterClrMapping/>
+  </p:clrMapOvr>
+</p:notes>
+</file>
+
+<file path=ppt/notesSlides/notesSlide8.xml><?xml version="1.0" encoding="utf-8"?>
+<p:notes xmlns:a="http://schemas.openxmlformats.org/drawingml/2006/main" xmlns:r="http://schemas.openxmlformats.org/officeDocument/2006/relationships" xmlns:p="http://schemas.openxmlformats.org/presentationml/2006/main">
+  <p:cSld>
+    <p:spTree>
+      <p:nvGrpSpPr>
+        <p:cNvPr id="1" name=""/>
+        <p:cNvGrpSpPr/>
+        <p:nvPr/>
+      </p:nvGrpSpPr>
+      <p:grpSpPr>
+        <a:xfrm>
+          <a:off x="0" y="0"/>
+          <a:ext cx="0" cy="0"/>
+          <a:chOff x="0" y="0"/>
+          <a:chExt cx="0" cy="0"/>
+        </a:xfrm>
+      </p:grpSpPr>
+      <p:sp>
+        <p:nvSpPr>
+          <p:cNvPr id="7" name="Rectangle 7"/>
+          <p:cNvSpPr>
+            <a:spLocks noGrp="1" noChangeArrowheads="1"/>
+          </p:cNvSpPr>
+          <p:nvPr>
+            <p:ph type="sldNum" sz="quarter" idx="5"/>
+          </p:nvPr>
+        </p:nvSpPr>
+        <p:spPr>
+          <a:ln/>
+        </p:spPr>
+        <p:txBody>
+          <a:bodyPr/>
+          <a:lstStyle/>
+          <a:p>
             <a:fld id="{77F3091C-7188-4579-8043-E8B42D883BAB}" type="slidenum">
               <a:rPr lang="en-US"/>
               <a:pPr/>
@@ -1233,7 +1828,7 @@
 </p:notes>
 </file>
 
-<file path=ppt/notesSlides/notesSlide6.xml><?xml version="1.0" encoding="utf-8"?>
+<file path=ppt/notesSlides/notesSlide9.xml><?xml version="1.0" encoding="utf-8"?>
 <p:notes xmlns:a="http://schemas.openxmlformats.org/drawingml/2006/main" xmlns:r="http://schemas.openxmlformats.org/officeDocument/2006/relationships" xmlns:p="http://schemas.openxmlformats.org/presentationml/2006/main">
   <p:cSld>
     <p:spTree>
@@ -3418,11 +4013,11 @@
   <p:clrMapOvr>
     <a:masterClrMapping/>
   </p:clrMapOvr>
-  <mc:AlternateContent xmlns:mc="http://schemas.openxmlformats.org/markup-compatibility/2006">
-    <mc:Choice xmlns:p14="http://schemas.microsoft.com/office/powerpoint/2010/main" Requires="p14">
+  <mc:AlternateContent xmlns:mc="http://schemas.openxmlformats.org/markup-compatibility/2006" xmlns:p14="http://schemas.microsoft.com/office/powerpoint/2010/main">
+    <mc:Choice Requires="p14">
       <p:transition spd="slow" p14:dur="2000" advClick="0"/>
     </mc:Choice>
-    <mc:Fallback>
+    <mc:Fallback xmlns="">
       <p:transition xmlns:p14="http://schemas.microsoft.com/office/powerpoint/2010/main" spd="slow" advClick="0"/>
     </mc:Fallback>
   </mc:AlternateContent>
@@ -3824,8 +4419,8 @@
         </p:nvSpPr>
         <p:spPr>
           <a:xfrm>
-            <a:off x="4419600" y="4724400"/>
-            <a:ext cx="3610296" cy="1107996"/>
+            <a:off x="2667000" y="4724400"/>
+            <a:ext cx="6347824" cy="1107996"/>
           </a:xfrm>
           <a:prstGeom prst="rect">
             <a:avLst/>
@@ -3841,6 +4436,10 @@
             <a:r>
               <a:rPr lang="en-US" sz="6600" dirty="0" smtClean="0"/>
               <a:t>(or </a:t>
+            </a:r>
+            <a:r>
+              <a:rPr lang="en-US" sz="6600" dirty="0" smtClean="0"/>
+              <a:t>closed </a:t>
             </a:r>
             <a:r>
               <a:rPr lang="en-US" sz="6600" dirty="0" smtClean="0">
@@ -4267,13 +4866,6 @@
               </a:rPr>
               <a:t>successor</a:t>
             </a:r>
-            <a:endParaRPr lang="en-US" sz="6000" dirty="0" smtClean="0">
-              <a:solidFill>
-                <a:srgbClr val="930093"/>
-              </a:solidFill>
-              <a:latin typeface="Comic Sans MS"/>
-              <a:cs typeface="Comic Sans MS"/>
-            </a:endParaRPr>
           </a:p>
           <a:p>
             <a:r>
@@ -4293,13 +4885,6 @@
               </a:rPr>
               <a:t>⊂</a:t>
             </a:r>
-            <a:endParaRPr lang="en-US" sz="6000" dirty="0" smtClean="0">
-              <a:solidFill>
-                <a:srgbClr val="930093"/>
-              </a:solidFill>
-              <a:latin typeface="Comic Sans MS"/>
-              <a:cs typeface="Comic Sans MS"/>
-            </a:endParaRPr>
           </a:p>
         </p:txBody>
       </p:sp>
@@ -4771,12 +5356,12 @@
           <a:graphicData uri="http://schemas.openxmlformats.org/presentationml/2006/ole">
             <mc:AlternateContent xmlns:mc="http://schemas.openxmlformats.org/markup-compatibility/2006">
               <mc:Choice xmlns:v="urn:schemas-microsoft-com:vml" Requires="v">
-                <p:oleObj spid="_x0000_s1028" name="Equation" r:id="rId3" imgW="1117600" imgH="330200" progId="Equation.DSMT4">
+                <p:oleObj spid="_x0000_s1030" name="Equation" r:id="rId4" imgW="1117600" imgH="330200" progId="Equation.DSMT4">
                   <p:embed/>
                 </p:oleObj>
               </mc:Choice>
               <mc:Fallback>
-                <p:oleObj name="Equation" r:id="rId3" imgW="1117600" imgH="330200" progId="Equation.DSMT4">
+                <p:oleObj name="Equation" r:id="rId4" imgW="1117600" imgH="330200" progId="Equation.DSMT4">
                   <p:embed/>
                   <p:pic>
                     <p:nvPicPr>
@@ -4785,7 +5370,7 @@
                       <p:nvPr/>
                     </p:nvPicPr>
                     <p:blipFill>
-                      <a:blip r:embed="rId4"/>
+                      <a:blip r:embed="rId5"/>
                       <a:stretch>
                         <a:fillRect/>
                       </a:stretch>
@@ -8771,7 +9356,7 @@
           <p:nvPr/>
         </p:nvPicPr>
         <p:blipFill>
-          <a:blip r:embed="rId2">
+          <a:blip r:embed="rId3">
             <a:extLst>
               <a:ext uri="{28A0092B-C50C-407E-A947-70E740481C1C}">
                 <a14:useLocalDpi xmlns:a14="http://schemas.microsoft.com/office/drawing/2010/main" val="0"/>
@@ -8802,13 +9387,13 @@
   <p:clrMapOvr>
     <a:masterClrMapping/>
   </p:clrMapOvr>
-  <mc:AlternateContent xmlns:mc="http://schemas.openxmlformats.org/markup-compatibility/2006">
-    <mc:Choice xmlns:p14="http://schemas.microsoft.com/office/powerpoint/2010/main" Requires="p14">
+  <mc:AlternateContent xmlns:mc="http://schemas.openxmlformats.org/markup-compatibility/2006" xmlns:p14="http://schemas.microsoft.com/office/powerpoint/2010/main">
+    <mc:Choice Requires="p14">
       <p:transition spd="med" p14:dur="700" advClick="0">
         <p:fade/>
       </p:transition>
     </mc:Choice>
-    <mc:Fallback>
+    <mc:Fallback xmlns="">
       <p:transition xmlns:p14="http://schemas.microsoft.com/office/powerpoint/2010/main" spd="med" advClick="0">
         <p:fade/>
       </p:transition>
@@ -9015,13 +9600,7 @@
               <a:rPr lang="en-US" sz="3600" dirty="0" smtClean="0">
                 <a:latin typeface="Comic Sans MS" pitchFamily="66" charset="0"/>
               </a:rPr>
-              <a:t>           </a:t>
-            </a:r>
-            <a:r>
-              <a:rPr lang="en-US" sz="3600" dirty="0" smtClean="0">
-                <a:latin typeface="Comic Sans MS" pitchFamily="66" charset="0"/>
-              </a:rPr>
-              <a:t>8.02 </a:t>
+              <a:t>           8.02 </a:t>
             </a:r>
             <a:r>
               <a:rPr lang="en-US" sz="3600" dirty="0">
@@ -9794,13 +10373,7 @@
               <a:rPr lang="en-US" sz="4800" dirty="0" smtClean="0">
                 <a:latin typeface="Comic Sans MS" pitchFamily="66" charset="0"/>
               </a:rPr>
-              <a:t> </a:t>
-            </a:r>
-            <a:r>
-              <a:rPr lang="en-US" sz="4800" dirty="0" smtClean="0">
-                <a:latin typeface="Comic Sans MS" pitchFamily="66" charset="0"/>
-              </a:rPr>
-              <a:t>is an </a:t>
+              <a:t> is an </a:t>
             </a:r>
             <a:r>
               <a:rPr lang="en-US" sz="4800" dirty="0" smtClean="0">
@@ -9857,16 +10430,7 @@
                 </a:solidFill>
                 <a:latin typeface="Comic Sans MS" pitchFamily="66" charset="0"/>
               </a:rPr>
-              <a:t>positive length </a:t>
-            </a:r>
-            <a:r>
-              <a:rPr lang="en-US" sz="4800" dirty="0" smtClean="0">
-                <a:solidFill>
-                  <a:srgbClr val="930093"/>
-                </a:solidFill>
-                <a:latin typeface="Comic Sans MS" pitchFamily="66" charset="0"/>
-              </a:rPr>
-              <a:t>walk</a:t>
+              <a:t>positive length walk</a:t>
             </a:r>
             <a:r>
               <a:rPr lang="en-US" sz="4800" dirty="0" smtClean="0">
@@ -9875,16 +10439,7 @@
                 </a:solidFill>
                 <a:latin typeface="Comic Sans MS" pitchFamily="66" charset="0"/>
               </a:rPr>
-              <a:t> </a:t>
-            </a:r>
-            <a:r>
-              <a:rPr lang="en-US" sz="4800" dirty="0" smtClean="0">
-                <a:solidFill>
-                  <a:srgbClr val="000000"/>
-                </a:solidFill>
-                <a:latin typeface="Comic Sans MS" pitchFamily="66" charset="0"/>
-              </a:rPr>
-              <a:t>from</a:t>
+              <a:t> from</a:t>
             </a:r>
           </a:p>
           <a:p>
@@ -9952,9 +10507,6 @@
               </a:rPr>
               <a:t>:</a:t>
             </a:r>
-            <a:endParaRPr lang="en-US" sz="4800" dirty="0" smtClean="0">
-              <a:latin typeface="Comic Sans MS" pitchFamily="66" charset="0"/>
-            </a:endParaRPr>
           </a:p>
           <a:p>
             <a:pPr marL="742950" indent="-285750" algn="ctr"/>
@@ -9965,16 +10517,7 @@
                 </a:solidFill>
                 <a:latin typeface="Comic Sans MS" pitchFamily="66" charset="0"/>
               </a:rPr>
-              <a:t>u </a:t>
-            </a:r>
-            <a:r>
-              <a:rPr lang="en-US" sz="8000" dirty="0" smtClean="0">
-                <a:solidFill>
-                  <a:srgbClr val="0000FF"/>
-                </a:solidFill>
-                <a:latin typeface="Comic Sans MS" pitchFamily="66" charset="0"/>
-              </a:rPr>
-              <a:t>D</a:t>
+              <a:t>u D</a:t>
             </a:r>
             <a:r>
               <a:rPr lang="en-US" sz="8000" baseline="30000" dirty="0" smtClean="0">
@@ -9992,16 +10535,7 @@
                 </a:solidFill>
                 <a:latin typeface="Comic Sans MS" pitchFamily="66" charset="0"/>
               </a:rPr>
-              <a:t> </a:t>
-            </a:r>
-            <a:r>
-              <a:rPr lang="en-US" sz="8000" dirty="0" smtClean="0">
-                <a:solidFill>
-                  <a:srgbClr val="0000FF"/>
-                </a:solidFill>
-                <a:latin typeface="Comic Sans MS" pitchFamily="66" charset="0"/>
-              </a:rPr>
-              <a:t>v</a:t>
+              <a:t> v</a:t>
             </a:r>
           </a:p>
         </p:txBody>
@@ -10088,13 +10622,13 @@
   <p:clrMapOvr>
     <a:masterClrMapping/>
   </p:clrMapOvr>
-  <mc:AlternateContent xmlns:mc="http://schemas.openxmlformats.org/markup-compatibility/2006">
-    <mc:Choice xmlns:p14="http://schemas.microsoft.com/office/powerpoint/2010/main" Requires="p14">
+  <mc:AlternateContent xmlns:mc="http://schemas.openxmlformats.org/markup-compatibility/2006" xmlns:p14="http://schemas.microsoft.com/office/powerpoint/2010/main">
+    <mc:Choice Requires="p14">
       <p:transition spd="slow" p14:dur="800" advClick="0">
         <p:fade/>
       </p:transition>
     </mc:Choice>
-    <mc:Fallback>
+    <mc:Fallback xmlns="">
       <p:transition xmlns:p14="http://schemas.microsoft.com/office/powerpoint/2010/main" spd="slow" advClick="0">
         <p:fade/>
       </p:transition>
@@ -10834,7 +11368,7 @@
         <p:spPr>
           <a:xfrm>
             <a:off x="152400" y="1295400"/>
-            <a:ext cx="8534400" cy="3429000"/>
+            <a:ext cx="8686800" cy="3429000"/>
           </a:xfrm>
         </p:spPr>
         <p:txBody>
@@ -10863,7 +11397,11 @@
             </a:r>
             <a:r>
               <a:rPr lang="en-US" sz="6000" dirty="0" smtClean="0"/>
-              <a:t>a walk whose</a:t>
+              <a:t>a </a:t>
+            </a:r>
+            <a:r>
+              <a:rPr lang="en-US" sz="6000" dirty="0" smtClean="0"/>
+              <a:t>closed walk </a:t>
             </a:r>
           </a:p>
           <a:p>
@@ -10873,7 +11411,7 @@
             </a:pPr>
             <a:r>
               <a:rPr lang="en-US" sz="6000" dirty="0" smtClean="0"/>
-              <a:t>only repeat vertex is </a:t>
+              <a:t>whose only repeat</a:t>
             </a:r>
           </a:p>
           <a:p>
@@ -10883,8 +11421,9 @@
             </a:pPr>
             <a:r>
               <a:rPr lang="en-US" sz="6000" dirty="0" smtClean="0"/>
-              <a:t>its start &amp; end.</a:t>
-            </a:r>
+              <a:t>vertex is its start.</a:t>
+            </a:r>
+            <a:endParaRPr lang="en-US" sz="6000" dirty="0" smtClean="0"/>
           </a:p>
         </p:txBody>
       </p:sp>
@@ -11015,8 +11554,8 @@
         </p:nvSpPr>
         <p:spPr>
           <a:xfrm>
-            <a:off x="76200" y="3505200"/>
-            <a:ext cx="8991600" cy="1862792"/>
+            <a:off x="152400" y="4419600"/>
+            <a:ext cx="7179733" cy="1905000"/>
           </a:xfrm>
           <a:prstGeom prst="rect">
             <a:avLst/>
@@ -11035,21 +11574,11 @@
             </a:pPr>
             <a:r>
               <a:rPr lang="en-US" sz="5800" dirty="0" smtClean="0"/>
-              <a:t>                          A </a:t>
-            </a:r>
-            <a:r>
-              <a:rPr lang="en-US" sz="5800" dirty="0"/>
-              <a:t>vertex</a:t>
-            </a:r>
-          </a:p>
-          <a:p>
-            <a:pPr>
-              <a:buFontTx/>
-              <a:buNone/>
-            </a:pPr>
+              <a:t>A vertex alone </a:t>
+            </a:r>
             <a:r>
               <a:rPr lang="en-US" sz="5800" dirty="0" smtClean="0"/>
-              <a:t>alone is </a:t>
+              <a:t>is </a:t>
             </a:r>
             <a:r>
               <a:rPr lang="en-US" sz="5800" dirty="0"/>
@@ -11096,13 +11625,13 @@
   <p:clrMapOvr>
     <a:masterClrMapping/>
   </p:clrMapOvr>
-  <mc:AlternateContent xmlns:mc="http://schemas.openxmlformats.org/markup-compatibility/2006">
-    <mc:Choice xmlns:p14="http://schemas.microsoft.com/office/powerpoint/2010/main" Requires="p14">
+  <mc:AlternateContent xmlns:mc="http://schemas.openxmlformats.org/markup-compatibility/2006" xmlns:p14="http://schemas.microsoft.com/office/powerpoint/2010/main">
+    <mc:Choice Requires="p14">
       <p:transition spd="med" p14:dur="700" advClick="0">
         <p:fade/>
       </p:transition>
     </mc:Choice>
-    <mc:Fallback>
+    <mc:Fallback xmlns="">
       <p:transition xmlns:p14="http://schemas.microsoft.com/office/powerpoint/2010/main" spd="med" advClick="0">
         <p:fade/>
       </p:transition>
@@ -12928,15 +13457,7 @@
                   <a:srgbClr val="930093"/>
                 </a:solidFill>
               </a:rPr>
-              <a:t>Lemma</a:t>
-            </a:r>
-            <a:r>
-              <a:rPr lang="en-US" sz="4400" dirty="0" smtClean="0">
-                <a:solidFill>
-                  <a:srgbClr val="930093"/>
-                </a:solidFill>
-              </a:rPr>
-              <a:t>:</a:t>
+              <a:t>Lemma:</a:t>
             </a:r>
             <a:r>
               <a:rPr lang="en-US" sz="5400" dirty="0" smtClean="0">
@@ -13018,11 +13539,7 @@
             </a:r>
             <a:r>
               <a:rPr lang="en-US" sz="5400" dirty="0" smtClean="0"/>
-              <a:t>positive </a:t>
-            </a:r>
-            <a:r>
-              <a:rPr lang="en-US" sz="5400" dirty="0" smtClean="0"/>
-              <a:t>length</a:t>
+              <a:t>positive length</a:t>
             </a:r>
             <a:r>
               <a:rPr lang="en-US" sz="5400" dirty="0" smtClean="0">
@@ -13048,11 +13565,6 @@
               </a:rPr>
               <a:t> </a:t>
             </a:r>
-            <a:endParaRPr lang="en-US" sz="5400" dirty="0" smtClean="0">
-              <a:solidFill>
-                <a:srgbClr val="FF00FF"/>
-              </a:solidFill>
-            </a:endParaRPr>
           </a:p>
           <a:p>
             <a:pPr eaLnBrk="1" hangingPunct="1">
@@ -13112,11 +13624,6 @@
               </a:rPr>
               <a:t> like shortest walk is </a:t>
             </a:r>
-            <a:endParaRPr lang="en-US" sz="4800" dirty="0" smtClean="0">
-              <a:solidFill>
-                <a:srgbClr val="000000"/>
-              </a:solidFill>
-            </a:endParaRPr>
           </a:p>
           <a:p>
             <a:pPr eaLnBrk="1" hangingPunct="1">
@@ -13134,11 +13641,6 @@
               </a:rPr>
               <a:t>a path</a:t>
             </a:r>
-            <a:endParaRPr lang="en-US" sz="4800" dirty="0" smtClean="0">
-              <a:solidFill>
-                <a:srgbClr val="000000"/>
-              </a:solidFill>
-            </a:endParaRPr>
           </a:p>
         </p:txBody>
       </p:sp>
